--- a/PlayingCards24/src/PowerPoint Slides/Playing Cards 24.pptx
+++ b/PlayingCards24/src/PowerPoint Slides/Playing Cards 24.pptx
@@ -4165,8 +4165,13 @@
             <a:pPr lvl="1"/>
             <a:r>
               <a:rPr lang="en-US" dirty="0"/>
-              <a:t>Text field for user input</a:t>
-            </a:r>
+              <a:t>Text field for </a:t>
+            </a:r>
+            <a:r>
+              <a:rPr lang="en-US"/>
+              <a:t>user input</a:t>
+            </a:r>
+            <a:endParaRPr lang="en-US" dirty="0"/>
           </a:p>
           <a:p>
             <a:pPr lvl="1"/>
